--- a/Interactive Viz/assets/img/facts.pptx
+++ b/Interactive Viz/assets/img/facts.pptx
@@ -105,6 +105,11 @@
       </a:defRPr>
     </a:lvl9pPr>
   </p:defaultTextStyle>
+  <p:extLst>
+    <p:ext uri="{EFAFB233-063F-42B5-8137-9DF3F51BA10A}">
+      <p15:sldGuideLst xmlns:p15="http://schemas.microsoft.com/office/powerpoint/2012/main"/>
+    </p:ext>
+  </p:extLst>
 </p:presentation>
 </file>
 
@@ -150,7 +155,7 @@
           </a:lstStyle>
           <a:p>
             <a:r>
-              <a:rPr lang="en-US" smtClean="0"/>
+              <a:rPr lang="en-US"/>
               <a:t>Click to edit Master title style</a:t>
             </a:r>
             <a:endParaRPr lang="id-ID"/>
@@ -215,7 +220,7 @@
           </a:lstStyle>
           <a:p>
             <a:r>
-              <a:rPr lang="en-US" smtClean="0"/>
+              <a:rPr lang="en-US"/>
               <a:t>Click to edit Master subtitle style</a:t>
             </a:r>
             <a:endParaRPr lang="id-ID"/>
@@ -239,7 +244,7 @@
           <a:p>
             <a:fld id="{780DF049-E718-482D-A611-6653CDA9C3F1}" type="datetimeFigureOut">
               <a:rPr lang="id-ID" smtClean="0"/>
-              <a:t>27/04/2019</a:t>
+              <a:t>04/05/2019</a:t>
             </a:fld>
             <a:endParaRPr lang="id-ID"/>
           </a:p>
@@ -333,7 +338,7 @@
           <a:lstStyle/>
           <a:p>
             <a:r>
-              <a:rPr lang="en-US" smtClean="0"/>
+              <a:rPr lang="en-US"/>
               <a:t>Click to edit Master title style</a:t>
             </a:r>
             <a:endParaRPr lang="id-ID"/>
@@ -357,35 +362,35 @@
           <a:p>
             <a:pPr lvl="0"/>
             <a:r>
-              <a:rPr lang="en-US" smtClean="0"/>
+              <a:rPr lang="en-US"/>
               <a:t>Edit Master text styles</a:t>
             </a:r>
           </a:p>
           <a:p>
             <a:pPr lvl="1"/>
             <a:r>
-              <a:rPr lang="en-US" smtClean="0"/>
+              <a:rPr lang="en-US"/>
               <a:t>Second level</a:t>
             </a:r>
           </a:p>
           <a:p>
             <a:pPr lvl="2"/>
             <a:r>
-              <a:rPr lang="en-US" smtClean="0"/>
+              <a:rPr lang="en-US"/>
               <a:t>Third level</a:t>
             </a:r>
           </a:p>
           <a:p>
             <a:pPr lvl="3"/>
             <a:r>
-              <a:rPr lang="en-US" smtClean="0"/>
+              <a:rPr lang="en-US"/>
               <a:t>Fourth level</a:t>
             </a:r>
           </a:p>
           <a:p>
             <a:pPr lvl="4"/>
             <a:r>
-              <a:rPr lang="en-US" smtClean="0"/>
+              <a:rPr lang="en-US"/>
               <a:t>Fifth level</a:t>
             </a:r>
             <a:endParaRPr lang="id-ID"/>
@@ -409,7 +414,7 @@
           <a:p>
             <a:fld id="{780DF049-E718-482D-A611-6653CDA9C3F1}" type="datetimeFigureOut">
               <a:rPr lang="id-ID" smtClean="0"/>
-              <a:t>27/04/2019</a:t>
+              <a:t>04/05/2019</a:t>
             </a:fld>
             <a:endParaRPr lang="id-ID"/>
           </a:p>
@@ -508,7 +513,7 @@
           <a:lstStyle/>
           <a:p>
             <a:r>
-              <a:rPr lang="en-US" smtClean="0"/>
+              <a:rPr lang="en-US"/>
               <a:t>Click to edit Master title style</a:t>
             </a:r>
             <a:endParaRPr lang="id-ID"/>
@@ -537,35 +542,35 @@
           <a:p>
             <a:pPr lvl="0"/>
             <a:r>
-              <a:rPr lang="en-US" smtClean="0"/>
+              <a:rPr lang="en-US"/>
               <a:t>Edit Master text styles</a:t>
             </a:r>
           </a:p>
           <a:p>
             <a:pPr lvl="1"/>
             <a:r>
-              <a:rPr lang="en-US" smtClean="0"/>
+              <a:rPr lang="en-US"/>
               <a:t>Second level</a:t>
             </a:r>
           </a:p>
           <a:p>
             <a:pPr lvl="2"/>
             <a:r>
-              <a:rPr lang="en-US" smtClean="0"/>
+              <a:rPr lang="en-US"/>
               <a:t>Third level</a:t>
             </a:r>
           </a:p>
           <a:p>
             <a:pPr lvl="3"/>
             <a:r>
-              <a:rPr lang="en-US" smtClean="0"/>
+              <a:rPr lang="en-US"/>
               <a:t>Fourth level</a:t>
             </a:r>
           </a:p>
           <a:p>
             <a:pPr lvl="4"/>
             <a:r>
-              <a:rPr lang="en-US" smtClean="0"/>
+              <a:rPr lang="en-US"/>
               <a:t>Fifth level</a:t>
             </a:r>
             <a:endParaRPr lang="id-ID"/>
@@ -589,7 +594,7 @@
           <a:p>
             <a:fld id="{780DF049-E718-482D-A611-6653CDA9C3F1}" type="datetimeFigureOut">
               <a:rPr lang="id-ID" smtClean="0"/>
-              <a:t>27/04/2019</a:t>
+              <a:t>04/05/2019</a:t>
             </a:fld>
             <a:endParaRPr lang="id-ID"/>
           </a:p>
@@ -683,7 +688,7 @@
           <a:lstStyle/>
           <a:p>
             <a:r>
-              <a:rPr lang="en-US" smtClean="0"/>
+              <a:rPr lang="en-US"/>
               <a:t>Click to edit Master title style</a:t>
             </a:r>
             <a:endParaRPr lang="id-ID"/>
@@ -707,35 +712,35 @@
           <a:p>
             <a:pPr lvl="0"/>
             <a:r>
-              <a:rPr lang="en-US" smtClean="0"/>
+              <a:rPr lang="en-US"/>
               <a:t>Edit Master text styles</a:t>
             </a:r>
           </a:p>
           <a:p>
             <a:pPr lvl="1"/>
             <a:r>
-              <a:rPr lang="en-US" smtClean="0"/>
+              <a:rPr lang="en-US"/>
               <a:t>Second level</a:t>
             </a:r>
           </a:p>
           <a:p>
             <a:pPr lvl="2"/>
             <a:r>
-              <a:rPr lang="en-US" smtClean="0"/>
+              <a:rPr lang="en-US"/>
               <a:t>Third level</a:t>
             </a:r>
           </a:p>
           <a:p>
             <a:pPr lvl="3"/>
             <a:r>
-              <a:rPr lang="en-US" smtClean="0"/>
+              <a:rPr lang="en-US"/>
               <a:t>Fourth level</a:t>
             </a:r>
           </a:p>
           <a:p>
             <a:pPr lvl="4"/>
             <a:r>
-              <a:rPr lang="en-US" smtClean="0"/>
+              <a:rPr lang="en-US"/>
               <a:t>Fifth level</a:t>
             </a:r>
             <a:endParaRPr lang="id-ID"/>
@@ -759,7 +764,7 @@
           <a:p>
             <a:fld id="{780DF049-E718-482D-A611-6653CDA9C3F1}" type="datetimeFigureOut">
               <a:rPr lang="id-ID" smtClean="0"/>
-              <a:t>27/04/2019</a:t>
+              <a:t>04/05/2019</a:t>
             </a:fld>
             <a:endParaRPr lang="id-ID"/>
           </a:p>
@@ -862,7 +867,7 @@
           </a:lstStyle>
           <a:p>
             <a:r>
-              <a:rPr lang="en-US" smtClean="0"/>
+              <a:rPr lang="en-US"/>
               <a:t>Click to edit Master title style</a:t>
             </a:r>
             <a:endParaRPr lang="id-ID"/>
@@ -982,7 +987,7 @@
           <a:p>
             <a:pPr lvl="0"/>
             <a:r>
-              <a:rPr lang="en-US" smtClean="0"/>
+              <a:rPr lang="en-US"/>
               <a:t>Edit Master text styles</a:t>
             </a:r>
           </a:p>
@@ -1005,7 +1010,7 @@
           <a:p>
             <a:fld id="{780DF049-E718-482D-A611-6653CDA9C3F1}" type="datetimeFigureOut">
               <a:rPr lang="id-ID" smtClean="0"/>
-              <a:t>27/04/2019</a:t>
+              <a:t>04/05/2019</a:t>
             </a:fld>
             <a:endParaRPr lang="id-ID"/>
           </a:p>
@@ -1099,7 +1104,7 @@
           <a:lstStyle/>
           <a:p>
             <a:r>
-              <a:rPr lang="en-US" smtClean="0"/>
+              <a:rPr lang="en-US"/>
               <a:t>Click to edit Master title style</a:t>
             </a:r>
             <a:endParaRPr lang="id-ID"/>
@@ -1128,35 +1133,35 @@
           <a:p>
             <a:pPr lvl="0"/>
             <a:r>
-              <a:rPr lang="en-US" smtClean="0"/>
+              <a:rPr lang="en-US"/>
               <a:t>Edit Master text styles</a:t>
             </a:r>
           </a:p>
           <a:p>
             <a:pPr lvl="1"/>
             <a:r>
-              <a:rPr lang="en-US" smtClean="0"/>
+              <a:rPr lang="en-US"/>
               <a:t>Second level</a:t>
             </a:r>
           </a:p>
           <a:p>
             <a:pPr lvl="2"/>
             <a:r>
-              <a:rPr lang="en-US" smtClean="0"/>
+              <a:rPr lang="en-US"/>
               <a:t>Third level</a:t>
             </a:r>
           </a:p>
           <a:p>
             <a:pPr lvl="3"/>
             <a:r>
-              <a:rPr lang="en-US" smtClean="0"/>
+              <a:rPr lang="en-US"/>
               <a:t>Fourth level</a:t>
             </a:r>
           </a:p>
           <a:p>
             <a:pPr lvl="4"/>
             <a:r>
-              <a:rPr lang="en-US" smtClean="0"/>
+              <a:rPr lang="en-US"/>
               <a:t>Fifth level</a:t>
             </a:r>
             <a:endParaRPr lang="id-ID"/>
@@ -1185,35 +1190,35 @@
           <a:p>
             <a:pPr lvl="0"/>
             <a:r>
-              <a:rPr lang="en-US" smtClean="0"/>
+              <a:rPr lang="en-US"/>
               <a:t>Edit Master text styles</a:t>
             </a:r>
           </a:p>
           <a:p>
             <a:pPr lvl="1"/>
             <a:r>
-              <a:rPr lang="en-US" smtClean="0"/>
+              <a:rPr lang="en-US"/>
               <a:t>Second level</a:t>
             </a:r>
           </a:p>
           <a:p>
             <a:pPr lvl="2"/>
             <a:r>
-              <a:rPr lang="en-US" smtClean="0"/>
+              <a:rPr lang="en-US"/>
               <a:t>Third level</a:t>
             </a:r>
           </a:p>
           <a:p>
             <a:pPr lvl="3"/>
             <a:r>
-              <a:rPr lang="en-US" smtClean="0"/>
+              <a:rPr lang="en-US"/>
               <a:t>Fourth level</a:t>
             </a:r>
           </a:p>
           <a:p>
             <a:pPr lvl="4"/>
             <a:r>
-              <a:rPr lang="en-US" smtClean="0"/>
+              <a:rPr lang="en-US"/>
               <a:t>Fifth level</a:t>
             </a:r>
             <a:endParaRPr lang="id-ID"/>
@@ -1237,7 +1242,7 @@
           <a:p>
             <a:fld id="{780DF049-E718-482D-A611-6653CDA9C3F1}" type="datetimeFigureOut">
               <a:rPr lang="id-ID" smtClean="0"/>
-              <a:t>27/04/2019</a:t>
+              <a:t>04/05/2019</a:t>
             </a:fld>
             <a:endParaRPr lang="id-ID"/>
           </a:p>
@@ -1336,7 +1341,7 @@
           <a:lstStyle/>
           <a:p>
             <a:r>
-              <a:rPr lang="en-US" smtClean="0"/>
+              <a:rPr lang="en-US"/>
               <a:t>Click to edit Master title style</a:t>
             </a:r>
             <a:endParaRPr lang="id-ID"/>
@@ -1402,7 +1407,7 @@
           <a:p>
             <a:pPr lvl="0"/>
             <a:r>
-              <a:rPr lang="en-US" smtClean="0"/>
+              <a:rPr lang="en-US"/>
               <a:t>Edit Master text styles</a:t>
             </a:r>
           </a:p>
@@ -1430,35 +1435,35 @@
           <a:p>
             <a:pPr lvl="0"/>
             <a:r>
-              <a:rPr lang="en-US" smtClean="0"/>
+              <a:rPr lang="en-US"/>
               <a:t>Edit Master text styles</a:t>
             </a:r>
           </a:p>
           <a:p>
             <a:pPr lvl="1"/>
             <a:r>
-              <a:rPr lang="en-US" smtClean="0"/>
+              <a:rPr lang="en-US"/>
               <a:t>Second level</a:t>
             </a:r>
           </a:p>
           <a:p>
             <a:pPr lvl="2"/>
             <a:r>
-              <a:rPr lang="en-US" smtClean="0"/>
+              <a:rPr lang="en-US"/>
               <a:t>Third level</a:t>
             </a:r>
           </a:p>
           <a:p>
             <a:pPr lvl="3"/>
             <a:r>
-              <a:rPr lang="en-US" smtClean="0"/>
+              <a:rPr lang="en-US"/>
               <a:t>Fourth level</a:t>
             </a:r>
           </a:p>
           <a:p>
             <a:pPr lvl="4"/>
             <a:r>
-              <a:rPr lang="en-US" smtClean="0"/>
+              <a:rPr lang="en-US"/>
               <a:t>Fifth level</a:t>
             </a:r>
             <a:endParaRPr lang="id-ID"/>
@@ -1524,7 +1529,7 @@
           <a:p>
             <a:pPr lvl="0"/>
             <a:r>
-              <a:rPr lang="en-US" smtClean="0"/>
+              <a:rPr lang="en-US"/>
               <a:t>Edit Master text styles</a:t>
             </a:r>
           </a:p>
@@ -1552,35 +1557,35 @@
           <a:p>
             <a:pPr lvl="0"/>
             <a:r>
-              <a:rPr lang="en-US" smtClean="0"/>
+              <a:rPr lang="en-US"/>
               <a:t>Edit Master text styles</a:t>
             </a:r>
           </a:p>
           <a:p>
             <a:pPr lvl="1"/>
             <a:r>
-              <a:rPr lang="en-US" smtClean="0"/>
+              <a:rPr lang="en-US"/>
               <a:t>Second level</a:t>
             </a:r>
           </a:p>
           <a:p>
             <a:pPr lvl="2"/>
             <a:r>
-              <a:rPr lang="en-US" smtClean="0"/>
+              <a:rPr lang="en-US"/>
               <a:t>Third level</a:t>
             </a:r>
           </a:p>
           <a:p>
             <a:pPr lvl="3"/>
             <a:r>
-              <a:rPr lang="en-US" smtClean="0"/>
+              <a:rPr lang="en-US"/>
               <a:t>Fourth level</a:t>
             </a:r>
           </a:p>
           <a:p>
             <a:pPr lvl="4"/>
             <a:r>
-              <a:rPr lang="en-US" smtClean="0"/>
+              <a:rPr lang="en-US"/>
               <a:t>Fifth level</a:t>
             </a:r>
             <a:endParaRPr lang="id-ID"/>
@@ -1604,7 +1609,7 @@
           <a:p>
             <a:fld id="{780DF049-E718-482D-A611-6653CDA9C3F1}" type="datetimeFigureOut">
               <a:rPr lang="id-ID" smtClean="0"/>
-              <a:t>27/04/2019</a:t>
+              <a:t>04/05/2019</a:t>
             </a:fld>
             <a:endParaRPr lang="id-ID"/>
           </a:p>
@@ -1698,7 +1703,7 @@
           <a:lstStyle/>
           <a:p>
             <a:r>
-              <a:rPr lang="en-US" smtClean="0"/>
+              <a:rPr lang="en-US"/>
               <a:t>Click to edit Master title style</a:t>
             </a:r>
             <a:endParaRPr lang="id-ID"/>
@@ -1722,7 +1727,7 @@
           <a:p>
             <a:fld id="{780DF049-E718-482D-A611-6653CDA9C3F1}" type="datetimeFigureOut">
               <a:rPr lang="id-ID" smtClean="0"/>
-              <a:t>27/04/2019</a:t>
+              <a:t>04/05/2019</a:t>
             </a:fld>
             <a:endParaRPr lang="id-ID"/>
           </a:p>
@@ -1817,7 +1822,7 @@
           <a:p>
             <a:fld id="{780DF049-E718-482D-A611-6653CDA9C3F1}" type="datetimeFigureOut">
               <a:rPr lang="id-ID" smtClean="0"/>
-              <a:t>27/04/2019</a:t>
+              <a:t>04/05/2019</a:t>
             </a:fld>
             <a:endParaRPr lang="id-ID"/>
           </a:p>
@@ -1920,7 +1925,7 @@
           </a:lstStyle>
           <a:p>
             <a:r>
-              <a:rPr lang="en-US" smtClean="0"/>
+              <a:rPr lang="en-US"/>
               <a:t>Click to edit Master title style</a:t>
             </a:r>
             <a:endParaRPr lang="id-ID"/>
@@ -1977,35 +1982,35 @@
           <a:p>
             <a:pPr lvl="0"/>
             <a:r>
-              <a:rPr lang="en-US" smtClean="0"/>
+              <a:rPr lang="en-US"/>
               <a:t>Edit Master text styles</a:t>
             </a:r>
           </a:p>
           <a:p>
             <a:pPr lvl="1"/>
             <a:r>
-              <a:rPr lang="en-US" smtClean="0"/>
+              <a:rPr lang="en-US"/>
               <a:t>Second level</a:t>
             </a:r>
           </a:p>
           <a:p>
             <a:pPr lvl="2"/>
             <a:r>
-              <a:rPr lang="en-US" smtClean="0"/>
+              <a:rPr lang="en-US"/>
               <a:t>Third level</a:t>
             </a:r>
           </a:p>
           <a:p>
             <a:pPr lvl="3"/>
             <a:r>
-              <a:rPr lang="en-US" smtClean="0"/>
+              <a:rPr lang="en-US"/>
               <a:t>Fourth level</a:t>
             </a:r>
           </a:p>
           <a:p>
             <a:pPr lvl="4"/>
             <a:r>
-              <a:rPr lang="en-US" smtClean="0"/>
+              <a:rPr lang="en-US"/>
               <a:t>Fifth level</a:t>
             </a:r>
             <a:endParaRPr lang="id-ID"/>
@@ -2071,7 +2076,7 @@
           <a:p>
             <a:pPr lvl="0"/>
             <a:r>
-              <a:rPr lang="en-US" smtClean="0"/>
+              <a:rPr lang="en-US"/>
               <a:t>Edit Master text styles</a:t>
             </a:r>
           </a:p>
@@ -2094,7 +2099,7 @@
           <a:p>
             <a:fld id="{780DF049-E718-482D-A611-6653CDA9C3F1}" type="datetimeFigureOut">
               <a:rPr lang="id-ID" smtClean="0"/>
-              <a:t>27/04/2019</a:t>
+              <a:t>04/05/2019</a:t>
             </a:fld>
             <a:endParaRPr lang="id-ID"/>
           </a:p>
@@ -2197,7 +2202,7 @@
           </a:lstStyle>
           <a:p>
             <a:r>
-              <a:rPr lang="en-US" smtClean="0"/>
+              <a:rPr lang="en-US"/>
               <a:t>Click to edit Master title style</a:t>
             </a:r>
             <a:endParaRPr lang="id-ID"/>
@@ -2324,7 +2329,7 @@
           <a:p>
             <a:pPr lvl="0"/>
             <a:r>
-              <a:rPr lang="en-US" smtClean="0"/>
+              <a:rPr lang="en-US"/>
               <a:t>Edit Master text styles</a:t>
             </a:r>
           </a:p>
@@ -2347,7 +2352,7 @@
           <a:p>
             <a:fld id="{780DF049-E718-482D-A611-6653CDA9C3F1}" type="datetimeFigureOut">
               <a:rPr lang="id-ID" smtClean="0"/>
-              <a:t>27/04/2019</a:t>
+              <a:t>04/05/2019</a:t>
             </a:fld>
             <a:endParaRPr lang="id-ID"/>
           </a:p>
@@ -2456,7 +2461,7 @@
           <a:lstStyle/>
           <a:p>
             <a:r>
-              <a:rPr lang="en-US" smtClean="0"/>
+              <a:rPr lang="en-US"/>
               <a:t>Click to edit Master title style</a:t>
             </a:r>
             <a:endParaRPr lang="id-ID"/>
@@ -2490,35 +2495,35 @@
           <a:p>
             <a:pPr lvl="0"/>
             <a:r>
-              <a:rPr lang="en-US" smtClean="0"/>
+              <a:rPr lang="en-US"/>
               <a:t>Edit Master text styles</a:t>
             </a:r>
           </a:p>
           <a:p>
             <a:pPr lvl="1"/>
             <a:r>
-              <a:rPr lang="en-US" smtClean="0"/>
+              <a:rPr lang="en-US"/>
               <a:t>Second level</a:t>
             </a:r>
           </a:p>
           <a:p>
             <a:pPr lvl="2"/>
             <a:r>
-              <a:rPr lang="en-US" smtClean="0"/>
+              <a:rPr lang="en-US"/>
               <a:t>Third level</a:t>
             </a:r>
           </a:p>
           <a:p>
             <a:pPr lvl="3"/>
             <a:r>
-              <a:rPr lang="en-US" smtClean="0"/>
+              <a:rPr lang="en-US"/>
               <a:t>Fourth level</a:t>
             </a:r>
           </a:p>
           <a:p>
             <a:pPr lvl="4"/>
             <a:r>
-              <a:rPr lang="en-US" smtClean="0"/>
+              <a:rPr lang="en-US"/>
               <a:t>Fifth level</a:t>
             </a:r>
             <a:endParaRPr lang="id-ID"/>
@@ -2560,7 +2565,7 @@
           <a:p>
             <a:fld id="{780DF049-E718-482D-A611-6653CDA9C3F1}" type="datetimeFigureOut">
               <a:rPr lang="id-ID" smtClean="0"/>
-              <a:t>27/04/2019</a:t>
+              <a:t>04/05/2019</a:t>
             </a:fld>
             <a:endParaRPr lang="id-ID"/>
           </a:p>
@@ -3001,7 +3006,7 @@
           <a:lstStyle/>
           <a:p>
             <a:r>
-              <a:rPr lang="id-ID" sz="7200" b="1" dirty="0" smtClean="0">
+              <a:rPr lang="id-ID" sz="7200" b="1" dirty="0">
                 <a:solidFill>
                   <a:srgbClr val="827F7F"/>
                 </a:solidFill>
@@ -3011,15 +3016,31 @@
           </a:p>
           <a:p>
             <a:r>
-              <a:rPr lang="id-ID" dirty="0" smtClean="0">
+              <a:rPr lang="id-ID" sz="2400" dirty="0">
                 <a:solidFill>
                   <a:srgbClr val="827F7F"/>
                 </a:solidFill>
               </a:rPr>
-              <a:t>remaja menghabiskan waktu 5 jam/hari pada </a:t>
-            </a:r>
-            <a:r>
-              <a:rPr lang="id-ID" i="1" dirty="0" smtClean="0">
+              <a:t>remaja menghabiskan waktu </a:t>
+            </a:r>
+            <a:r>
+              <a:rPr lang="id-ID" sz="2400" b="1" dirty="0">
+                <a:solidFill>
+                  <a:srgbClr val="827F7F"/>
+                </a:solidFill>
+              </a:rPr>
+              <a:t>5 jam/hari</a:t>
+            </a:r>
+            <a:r>
+              <a:rPr lang="id-ID" sz="2400" dirty="0">
+                <a:solidFill>
+                  <a:srgbClr val="827F7F"/>
+                </a:solidFill>
+              </a:rPr>
+              <a:t> pada </a:t>
+            </a:r>
+            <a:r>
+              <a:rPr lang="id-ID" sz="2400" i="1" dirty="0">
                 <a:solidFill>
                   <a:srgbClr val="827F7F"/>
                 </a:solidFill>
@@ -3027,7 +3048,7 @@
               <a:t>smartphone</a:t>
             </a:r>
             <a:r>
-              <a:rPr lang="id-ID" dirty="0" smtClean="0">
+              <a:rPr lang="id-ID" sz="2400" dirty="0">
                 <a:solidFill>
                   <a:srgbClr val="827F7F"/>
                 </a:solidFill>
@@ -3037,7 +3058,7 @@
           </a:p>
           <a:p>
             <a:pPr algn="ctr"/>
-            <a:endParaRPr lang="id-ID" b="1" dirty="0" smtClean="0">
+            <a:endParaRPr lang="id-ID" b="1" dirty="0">
               <a:solidFill>
                 <a:srgbClr val="827F7F"/>
               </a:solidFill>
@@ -3046,7 +3067,7 @@
           <a:p>
             <a:pPr algn="r"/>
             <a:r>
-              <a:rPr lang="id-ID" sz="7200" b="1" dirty="0" smtClean="0">
+              <a:rPr lang="id-ID" sz="7200" b="1" dirty="0">
                 <a:solidFill>
                   <a:srgbClr val="827F7F"/>
                 </a:solidFill>
@@ -3057,7 +3078,7 @@
           <a:p>
             <a:pPr algn="r"/>
             <a:r>
-              <a:rPr lang="id-ID" dirty="0" smtClean="0">
+              <a:rPr lang="id-ID" sz="2400" dirty="0">
                 <a:solidFill>
                   <a:srgbClr val="827F7F"/>
                 </a:solidFill>
@@ -3065,15 +3086,15 @@
               <a:t>di antara mereka lebih berpotensi memiliki pemikiran </a:t>
             </a:r>
             <a:r>
-              <a:rPr lang="id-ID" b="1" dirty="0" smtClean="0">
+              <a:rPr lang="id-ID" sz="2400" b="1" dirty="0">
                 <a:solidFill>
-                  <a:srgbClr val="827F7F"/>
+                  <a:srgbClr val="FF0000"/>
                 </a:solidFill>
               </a:rPr>
               <a:t>bunuh diri </a:t>
             </a:r>
             <a:r>
-              <a:rPr lang="id-ID" dirty="0" smtClean="0">
+              <a:rPr lang="id-ID" sz="2400" dirty="0">
                 <a:solidFill>
                   <a:srgbClr val="827F7F"/>
                 </a:solidFill>
@@ -3081,7 +3102,7 @@
               <a:t>dibanding pengguna </a:t>
             </a:r>
             <a:r>
-              <a:rPr lang="id-ID" i="1" dirty="0" smtClean="0">
+              <a:rPr lang="id-ID" sz="2400" i="1" dirty="0">
                 <a:solidFill>
                   <a:srgbClr val="827F7F"/>
                 </a:solidFill>
@@ -3089,21 +3110,21 @@
               <a:t>smartphone </a:t>
             </a:r>
             <a:r>
-              <a:rPr lang="id-ID" dirty="0" smtClean="0">
+              <a:rPr lang="id-ID" sz="2400" b="1" dirty="0">
                 <a:solidFill>
                   <a:srgbClr val="827F7F"/>
                 </a:solidFill>
               </a:rPr>
-              <a:t>1 jam/hari.</a:t>
-            </a:r>
-          </a:p>
-          <a:p>
-            <a:pPr algn="r"/>
-            <a:endParaRPr lang="id-ID" b="1" dirty="0" smtClean="0">
-              <a:solidFill>
-                <a:srgbClr val="827F7F"/>
-              </a:solidFill>
-            </a:endParaRPr>
+              <a:t>1 jam/hari</a:t>
+            </a:r>
+            <a:r>
+              <a:rPr lang="id-ID" sz="2400" dirty="0">
+                <a:solidFill>
+                  <a:srgbClr val="827F7F"/>
+                </a:solidFill>
+              </a:rPr>
+              <a:t>.</a:t>
+            </a:r>
           </a:p>
           <a:p>
             <a:pPr algn="r"/>
@@ -3114,36 +3135,39 @@
             </a:endParaRPr>
           </a:p>
           <a:p>
-            <a:pPr algn="ctr"/>
-            <a:r>
-              <a:rPr lang="id-ID" b="1" dirty="0" smtClean="0">
-                <a:solidFill>
-                  <a:srgbClr val="827F7F"/>
-                </a:solidFill>
-              </a:rPr>
-              <a:t>- </a:t>
-            </a:r>
-            <a:r>
-              <a:rPr lang="id-ID" dirty="0" smtClean="0">
-                <a:solidFill>
-                  <a:srgbClr val="827F7F"/>
-                </a:solidFill>
-              </a:rPr>
-              <a:t>Jurnal </a:t>
-            </a:r>
-            <a:r>
-              <a:rPr lang="id-ID" i="1" dirty="0" smtClean="0">
-                <a:solidFill>
-                  <a:srgbClr val="827F7F"/>
-                </a:solidFill>
-              </a:rPr>
-              <a:t>Clinical Psychological Science</a:t>
-            </a:r>
-            <a:endParaRPr lang="id-ID" i="1" dirty="0">
+            <a:pPr algn="r"/>
+            <a:endParaRPr lang="id-ID" b="1" dirty="0">
               <a:solidFill>
                 <a:srgbClr val="827F7F"/>
               </a:solidFill>
             </a:endParaRPr>
+          </a:p>
+          <a:p>
+            <a:pPr algn="ctr"/>
+            <a:r>
+              <a:rPr lang="id-ID" b="1" dirty="0">
+                <a:solidFill>
+                  <a:srgbClr val="FF0000"/>
+                </a:solidFill>
+              </a:rPr>
+              <a:t>- </a:t>
+            </a:r>
+            <a:r>
+              <a:rPr lang="id-ID" dirty="0">
+                <a:solidFill>
+                  <a:srgbClr val="FF0000"/>
+                </a:solidFill>
+              </a:rPr>
+              <a:t>Jurnal </a:t>
+            </a:r>
+            <a:r>
+              <a:rPr lang="id-ID" i="1" dirty="0">
+                <a:solidFill>
+                  <a:srgbClr val="FF0000"/>
+                </a:solidFill>
+              </a:rPr>
+              <a:t>Clinical Psychological Science</a:t>
+            </a:r>
           </a:p>
         </p:txBody>
       </p:sp>
@@ -3214,18 +3238,23 @@
           <a:p>
             <a:pPr algn="ctr"/>
             <a:r>
-              <a:rPr lang="id-ID" sz="7200" b="1" i="1" dirty="0" smtClean="0">
+              <a:rPr lang="id-ID" sz="7200" b="1" i="1" dirty="0">
                 <a:solidFill>
                   <a:srgbClr val="827F7F"/>
                 </a:solidFill>
               </a:rPr>
               <a:t>Instagram</a:t>
             </a:r>
+            <a:endParaRPr lang="id-ID" sz="2400" i="1" dirty="0">
+              <a:solidFill>
+                <a:srgbClr val="827F7F"/>
+              </a:solidFill>
+            </a:endParaRPr>
           </a:p>
           <a:p>
             <a:pPr algn="ctr"/>
             <a:r>
-              <a:rPr lang="id-ID" i="1" dirty="0" smtClean="0">
+              <a:rPr lang="id-ID" sz="2400" i="1" dirty="0">
                 <a:solidFill>
                   <a:srgbClr val="827F7F"/>
                 </a:solidFill>
@@ -3233,21 +3262,13 @@
               <a:t>is worst for young mental health</a:t>
             </a:r>
             <a:r>
-              <a:rPr lang="id-ID" dirty="0" smtClean="0">
+              <a:rPr lang="id-ID" sz="2400" dirty="0">
                 <a:solidFill>
                   <a:srgbClr val="827F7F"/>
                 </a:solidFill>
               </a:rPr>
               <a:t>.</a:t>
             </a:r>
-          </a:p>
-          <a:p>
-            <a:pPr algn="ctr"/>
-            <a:endParaRPr lang="id-ID" dirty="0" smtClean="0">
-              <a:solidFill>
-                <a:srgbClr val="827F7F"/>
-              </a:solidFill>
-            </a:endParaRPr>
           </a:p>
           <a:p>
             <a:pPr algn="ctr"/>
@@ -3259,19 +3280,46 @@
           </a:p>
           <a:p>
             <a:pPr algn="ctr"/>
-            <a:r>
-              <a:rPr lang="id-ID" dirty="0" smtClean="0">
-                <a:solidFill>
-                  <a:srgbClr val="827F7F"/>
-                </a:solidFill>
-              </a:rPr>
-              <a:t>- BBC, 19 Mei 2019</a:t>
-            </a:r>
             <a:endParaRPr lang="id-ID" dirty="0">
               <a:solidFill>
                 <a:srgbClr val="827F7F"/>
               </a:solidFill>
             </a:endParaRPr>
+          </a:p>
+          <a:p>
+            <a:pPr algn="ctr"/>
+            <a:endParaRPr lang="id-ID" dirty="0">
+              <a:solidFill>
+                <a:srgbClr val="827F7F"/>
+              </a:solidFill>
+            </a:endParaRPr>
+          </a:p>
+          <a:p>
+            <a:pPr algn="ctr"/>
+            <a:endParaRPr lang="id-ID" dirty="0">
+              <a:solidFill>
+                <a:srgbClr val="827F7F"/>
+              </a:solidFill>
+            </a:endParaRPr>
+          </a:p>
+          <a:p>
+            <a:pPr algn="ctr"/>
+            <a:endParaRPr lang="id-ID" dirty="0">
+              <a:solidFill>
+                <a:srgbClr val="827F7F"/>
+              </a:solidFill>
+            </a:endParaRPr>
+          </a:p>
+          <a:p>
+            <a:pPr algn="ctr"/>
+            <a:r>
+              <a:rPr lang="id-ID" dirty="0">
+                <a:solidFill>
+                  <a:srgbClr val="FF0000"/>
+                </a:solidFill>
+              </a:rPr>
+              <a:t>- BBC, 19 Mei 2019</a:t>
+            </a:r>
           </a:p>
         </p:txBody>
       </p:sp>

--- a/Interactive Viz/assets/img/facts.pptx
+++ b/Interactive Viz/assets/img/facts.pptx
@@ -7,6 +7,7 @@
   <p:sldIdLst>
     <p:sldId id="256" r:id="rId2"/>
     <p:sldId id="257" r:id="rId3"/>
+    <p:sldId id="258" r:id="rId4"/>
   </p:sldIdLst>
   <p:sldSz cx="12192000" cy="6858000"/>
   <p:notesSz cx="6858000" cy="9144000"/>
@@ -244,7 +245,7 @@
           <a:p>
             <a:fld id="{780DF049-E718-482D-A611-6653CDA9C3F1}" type="datetimeFigureOut">
               <a:rPr lang="id-ID" smtClean="0"/>
-              <a:t>04/05/2019</a:t>
+              <a:t>09/05/2019</a:t>
             </a:fld>
             <a:endParaRPr lang="id-ID"/>
           </a:p>
@@ -414,7 +415,7 @@
           <a:p>
             <a:fld id="{780DF049-E718-482D-A611-6653CDA9C3F1}" type="datetimeFigureOut">
               <a:rPr lang="id-ID" smtClean="0"/>
-              <a:t>04/05/2019</a:t>
+              <a:t>09/05/2019</a:t>
             </a:fld>
             <a:endParaRPr lang="id-ID"/>
           </a:p>
@@ -594,7 +595,7 @@
           <a:p>
             <a:fld id="{780DF049-E718-482D-A611-6653CDA9C3F1}" type="datetimeFigureOut">
               <a:rPr lang="id-ID" smtClean="0"/>
-              <a:t>04/05/2019</a:t>
+              <a:t>09/05/2019</a:t>
             </a:fld>
             <a:endParaRPr lang="id-ID"/>
           </a:p>
@@ -764,7 +765,7 @@
           <a:p>
             <a:fld id="{780DF049-E718-482D-A611-6653CDA9C3F1}" type="datetimeFigureOut">
               <a:rPr lang="id-ID" smtClean="0"/>
-              <a:t>04/05/2019</a:t>
+              <a:t>09/05/2019</a:t>
             </a:fld>
             <a:endParaRPr lang="id-ID"/>
           </a:p>
@@ -1010,7 +1011,7 @@
           <a:p>
             <a:fld id="{780DF049-E718-482D-A611-6653CDA9C3F1}" type="datetimeFigureOut">
               <a:rPr lang="id-ID" smtClean="0"/>
-              <a:t>04/05/2019</a:t>
+              <a:t>09/05/2019</a:t>
             </a:fld>
             <a:endParaRPr lang="id-ID"/>
           </a:p>
@@ -1242,7 +1243,7 @@
           <a:p>
             <a:fld id="{780DF049-E718-482D-A611-6653CDA9C3F1}" type="datetimeFigureOut">
               <a:rPr lang="id-ID" smtClean="0"/>
-              <a:t>04/05/2019</a:t>
+              <a:t>09/05/2019</a:t>
             </a:fld>
             <a:endParaRPr lang="id-ID"/>
           </a:p>
@@ -1609,7 +1610,7 @@
           <a:p>
             <a:fld id="{780DF049-E718-482D-A611-6653CDA9C3F1}" type="datetimeFigureOut">
               <a:rPr lang="id-ID" smtClean="0"/>
-              <a:t>04/05/2019</a:t>
+              <a:t>09/05/2019</a:t>
             </a:fld>
             <a:endParaRPr lang="id-ID"/>
           </a:p>
@@ -1727,7 +1728,7 @@
           <a:p>
             <a:fld id="{780DF049-E718-482D-A611-6653CDA9C3F1}" type="datetimeFigureOut">
               <a:rPr lang="id-ID" smtClean="0"/>
-              <a:t>04/05/2019</a:t>
+              <a:t>09/05/2019</a:t>
             </a:fld>
             <a:endParaRPr lang="id-ID"/>
           </a:p>
@@ -1822,7 +1823,7 @@
           <a:p>
             <a:fld id="{780DF049-E718-482D-A611-6653CDA9C3F1}" type="datetimeFigureOut">
               <a:rPr lang="id-ID" smtClean="0"/>
-              <a:t>04/05/2019</a:t>
+              <a:t>09/05/2019</a:t>
             </a:fld>
             <a:endParaRPr lang="id-ID"/>
           </a:p>
@@ -2099,7 +2100,7 @@
           <a:p>
             <a:fld id="{780DF049-E718-482D-A611-6653CDA9C3F1}" type="datetimeFigureOut">
               <a:rPr lang="id-ID" smtClean="0"/>
-              <a:t>04/05/2019</a:t>
+              <a:t>09/05/2019</a:t>
             </a:fld>
             <a:endParaRPr lang="id-ID"/>
           </a:p>
@@ -2352,7 +2353,7 @@
           <a:p>
             <a:fld id="{780DF049-E718-482D-A611-6653CDA9C3F1}" type="datetimeFigureOut">
               <a:rPr lang="id-ID" smtClean="0"/>
-              <a:t>04/05/2019</a:t>
+              <a:t>09/05/2019</a:t>
             </a:fld>
             <a:endParaRPr lang="id-ID"/>
           </a:p>
@@ -2565,7 +2566,7 @@
           <a:p>
             <a:fld id="{780DF049-E718-482D-A611-6653CDA9C3F1}" type="datetimeFigureOut">
               <a:rPr lang="id-ID" smtClean="0"/>
-              <a:t>04/05/2019</a:t>
+              <a:t>09/05/2019</a:t>
             </a:fld>
             <a:endParaRPr lang="id-ID"/>
           </a:p>
@@ -3336,6 +3337,167 @@
 </p:sld>
 </file>
 
+<file path=ppt/slides/slide3.xml><?xml version="1.0" encoding="utf-8"?>
+<p:sld xmlns:a="http://schemas.openxmlformats.org/drawingml/2006/main" xmlns:r="http://schemas.openxmlformats.org/officeDocument/2006/relationships" xmlns:p="http://schemas.openxmlformats.org/presentationml/2006/main">
+  <p:cSld>
+    <p:spTree>
+      <p:nvGrpSpPr>
+        <p:cNvPr id="1" name=""/>
+        <p:cNvGrpSpPr/>
+        <p:nvPr/>
+      </p:nvGrpSpPr>
+      <p:grpSpPr>
+        <a:xfrm>
+          <a:off x="0" y="0"/>
+          <a:ext cx="0" cy="0"/>
+          <a:chOff x="0" y="0"/>
+          <a:chExt cx="0" cy="0"/>
+        </a:xfrm>
+      </p:grpSpPr>
+      <p:sp>
+        <p:nvSpPr>
+          <p:cNvPr id="4" name="Rectangle 3"/>
+          <p:cNvSpPr/>
+          <p:nvPr/>
+        </p:nvSpPr>
+        <p:spPr>
+          <a:xfrm>
+            <a:off x="3648455" y="-3"/>
+            <a:ext cx="4400552" cy="6858003"/>
+          </a:xfrm>
+          <a:prstGeom prst="rect">
+            <a:avLst/>
+          </a:prstGeom>
+        </p:spPr>
+        <p:style>
+          <a:lnRef idx="2">
+            <a:schemeClr val="dk1">
+              <a:shade val="50000"/>
+            </a:schemeClr>
+          </a:lnRef>
+          <a:fillRef idx="1">
+            <a:schemeClr val="dk1"/>
+          </a:fillRef>
+          <a:effectRef idx="0">
+            <a:schemeClr val="dk1"/>
+          </a:effectRef>
+          <a:fontRef idx="minor">
+            <a:schemeClr val="lt1"/>
+          </a:fontRef>
+        </p:style>
+        <p:txBody>
+          <a:bodyPr rtlCol="0" anchor="ctr"/>
+          <a:lstStyle/>
+          <a:p>
+            <a:r>
+              <a:rPr lang="id-ID" sz="2400" dirty="0" smtClean="0">
+                <a:solidFill>
+                  <a:srgbClr val="827F7F"/>
+                </a:solidFill>
+              </a:rPr>
+              <a:t>Di Amerika Serikat, </a:t>
+            </a:r>
+            <a:r>
+              <a:rPr lang="id-ID" sz="2400" b="1" dirty="0">
+                <a:solidFill>
+                  <a:srgbClr val="827F7F"/>
+                </a:solidFill>
+              </a:rPr>
+              <a:t>total kasus bunuh diri </a:t>
+            </a:r>
+            <a:r>
+              <a:rPr lang="id-ID" sz="2400" dirty="0" smtClean="0">
+                <a:solidFill>
+                  <a:srgbClr val="827F7F"/>
+                </a:solidFill>
+              </a:rPr>
+              <a:t>dan </a:t>
+            </a:r>
+            <a:r>
+              <a:rPr lang="id-ID" sz="2400" b="1" dirty="0" smtClean="0">
+                <a:solidFill>
+                  <a:srgbClr val="827F7F"/>
+                </a:solidFill>
+              </a:rPr>
+              <a:t>persentase akses internet meningkat</a:t>
+            </a:r>
+            <a:r>
+              <a:rPr lang="id-ID" sz="2400" dirty="0" smtClean="0">
+                <a:solidFill>
+                  <a:srgbClr val="827F7F"/>
+                </a:solidFill>
+              </a:rPr>
+              <a:t> bersamaan.</a:t>
+            </a:r>
+            <a:endParaRPr lang="id-ID" sz="2400" dirty="0" smtClean="0">
+              <a:solidFill>
+                <a:srgbClr val="827F7F"/>
+              </a:solidFill>
+            </a:endParaRPr>
+          </a:p>
+          <a:p>
+            <a:pPr algn="ctr"/>
+            <a:endParaRPr lang="id-ID" sz="2400" dirty="0" smtClean="0">
+              <a:solidFill>
+                <a:srgbClr val="827F7F"/>
+              </a:solidFill>
+            </a:endParaRPr>
+          </a:p>
+          <a:p>
+            <a:pPr algn="ctr"/>
+            <a:endParaRPr lang="id-ID" sz="2400" dirty="0">
+              <a:solidFill>
+                <a:srgbClr val="827F7F"/>
+              </a:solidFill>
+            </a:endParaRPr>
+          </a:p>
+          <a:p>
+            <a:pPr algn="r"/>
+            <a:r>
+              <a:rPr lang="id-ID" sz="2400" dirty="0" smtClean="0">
+                <a:solidFill>
+                  <a:srgbClr val="827F7F"/>
+                </a:solidFill>
+              </a:rPr>
+              <a:t>Kondisi ini membuat kita harus </a:t>
+            </a:r>
+            <a:r>
+              <a:rPr lang="id-ID" sz="2400" b="1" dirty="0" smtClean="0">
+                <a:solidFill>
+                  <a:srgbClr val="FF0000"/>
+                </a:solidFill>
+              </a:rPr>
+              <a:t>waspada</a:t>
+            </a:r>
+            <a:r>
+              <a:rPr lang="id-ID" sz="2400" dirty="0" smtClean="0">
+                <a:solidFill>
+                  <a:srgbClr val="827F7F"/>
+                </a:solidFill>
+              </a:rPr>
+              <a:t> menanggapi akses internet Indonesia yang semakin meningkat pula.</a:t>
+            </a:r>
+            <a:endParaRPr lang="id-ID" dirty="0" smtClean="0">
+              <a:solidFill>
+                <a:srgbClr val="827F7F"/>
+              </a:solidFill>
+            </a:endParaRPr>
+          </a:p>
+        </p:txBody>
+      </p:sp>
+    </p:spTree>
+    <p:extLst>
+      <p:ext uri="{BB962C8B-B14F-4D97-AF65-F5344CB8AC3E}">
+        <p14:creationId xmlns:p14="http://schemas.microsoft.com/office/powerpoint/2010/main" val="2686283838"/>
+      </p:ext>
+    </p:extLst>
+  </p:cSld>
+  <p:clrMapOvr>
+    <a:masterClrMapping/>
+  </p:clrMapOvr>
+</p:sld>
+</file>
+
 <file path=ppt/theme/theme1.xml><?xml version="1.0" encoding="utf-8"?>
 <a:theme xmlns:a="http://schemas.openxmlformats.org/drawingml/2006/main" name="Office Theme">
   <a:themeElements>
